--- a/poster.pptx
+++ b/poster.pptx
@@ -260,7 +260,7 @@
           <a:p>
             <a:fld id="{00C12874-C95A-498B-905A-110740C445FF}" type="datetimeFigureOut">
               <a:rPr kumimoji="1" lang="ja-JP" altLang="en-US" smtClean="0"/>
-              <a:t>2022/10/27</a:t>
+              <a:t>2022/10/28</a:t>
             </a:fld>
             <a:endParaRPr kumimoji="1" lang="ja-JP" altLang="en-US"/>
           </a:p>
@@ -490,7 +490,7 @@
           <a:p>
             <a:fld id="{00C12874-C95A-498B-905A-110740C445FF}" type="datetimeFigureOut">
               <a:rPr kumimoji="1" lang="ja-JP" altLang="en-US" smtClean="0"/>
-              <a:t>2022/10/27</a:t>
+              <a:t>2022/10/28</a:t>
             </a:fld>
             <a:endParaRPr kumimoji="1" lang="ja-JP" altLang="en-US"/>
           </a:p>
@@ -730,7 +730,7 @@
           <a:p>
             <a:fld id="{00C12874-C95A-498B-905A-110740C445FF}" type="datetimeFigureOut">
               <a:rPr kumimoji="1" lang="ja-JP" altLang="en-US" smtClean="0"/>
-              <a:t>2022/10/27</a:t>
+              <a:t>2022/10/28</a:t>
             </a:fld>
             <a:endParaRPr kumimoji="1" lang="ja-JP" altLang="en-US"/>
           </a:p>
@@ -960,7 +960,7 @@
           <a:p>
             <a:fld id="{00C12874-C95A-498B-905A-110740C445FF}" type="datetimeFigureOut">
               <a:rPr kumimoji="1" lang="ja-JP" altLang="en-US" smtClean="0"/>
-              <a:t>2022/10/27</a:t>
+              <a:t>2022/10/28</a:t>
             </a:fld>
             <a:endParaRPr kumimoji="1" lang="ja-JP" altLang="en-US"/>
           </a:p>
@@ -1235,7 +1235,7 @@
           <a:p>
             <a:fld id="{00C12874-C95A-498B-905A-110740C445FF}" type="datetimeFigureOut">
               <a:rPr kumimoji="1" lang="ja-JP" altLang="en-US" smtClean="0"/>
-              <a:t>2022/10/27</a:t>
+              <a:t>2022/10/28</a:t>
             </a:fld>
             <a:endParaRPr kumimoji="1" lang="ja-JP" altLang="en-US"/>
           </a:p>
@@ -1564,7 +1564,7 @@
           <a:p>
             <a:fld id="{00C12874-C95A-498B-905A-110740C445FF}" type="datetimeFigureOut">
               <a:rPr kumimoji="1" lang="ja-JP" altLang="en-US" smtClean="0"/>
-              <a:t>2022/10/27</a:t>
+              <a:t>2022/10/28</a:t>
             </a:fld>
             <a:endParaRPr kumimoji="1" lang="ja-JP" altLang="en-US"/>
           </a:p>
@@ -2040,7 +2040,7 @@
           <a:p>
             <a:fld id="{00C12874-C95A-498B-905A-110740C445FF}" type="datetimeFigureOut">
               <a:rPr kumimoji="1" lang="ja-JP" altLang="en-US" smtClean="0"/>
-              <a:t>2022/10/27</a:t>
+              <a:t>2022/10/28</a:t>
             </a:fld>
             <a:endParaRPr kumimoji="1" lang="ja-JP" altLang="en-US"/>
           </a:p>
@@ -2181,7 +2181,7 @@
           <a:p>
             <a:fld id="{00C12874-C95A-498B-905A-110740C445FF}" type="datetimeFigureOut">
               <a:rPr kumimoji="1" lang="ja-JP" altLang="en-US" smtClean="0"/>
-              <a:t>2022/10/27</a:t>
+              <a:t>2022/10/28</a:t>
             </a:fld>
             <a:endParaRPr kumimoji="1" lang="ja-JP" altLang="en-US"/>
           </a:p>
@@ -2294,7 +2294,7 @@
           <a:p>
             <a:fld id="{00C12874-C95A-498B-905A-110740C445FF}" type="datetimeFigureOut">
               <a:rPr kumimoji="1" lang="ja-JP" altLang="en-US" smtClean="0"/>
-              <a:t>2022/10/27</a:t>
+              <a:t>2022/10/28</a:t>
             </a:fld>
             <a:endParaRPr kumimoji="1" lang="ja-JP" altLang="en-US"/>
           </a:p>
@@ -2637,7 +2637,7 @@
           <a:p>
             <a:fld id="{00C12874-C95A-498B-905A-110740C445FF}" type="datetimeFigureOut">
               <a:rPr kumimoji="1" lang="ja-JP" altLang="en-US" smtClean="0"/>
-              <a:t>2022/10/27</a:t>
+              <a:t>2022/10/28</a:t>
             </a:fld>
             <a:endParaRPr kumimoji="1" lang="ja-JP" altLang="en-US"/>
           </a:p>
@@ -2925,7 +2925,7 @@
           <a:p>
             <a:fld id="{00C12874-C95A-498B-905A-110740C445FF}" type="datetimeFigureOut">
               <a:rPr kumimoji="1" lang="ja-JP" altLang="en-US" smtClean="0"/>
-              <a:t>2022/10/27</a:t>
+              <a:t>2022/10/28</a:t>
             </a:fld>
             <a:endParaRPr kumimoji="1" lang="ja-JP" altLang="en-US"/>
           </a:p>
@@ -3198,7 +3198,7 @@
           <a:p>
             <a:fld id="{00C12874-C95A-498B-905A-110740C445FF}" type="datetimeFigureOut">
               <a:rPr kumimoji="1" lang="ja-JP" altLang="en-US" smtClean="0"/>
-              <a:t>2022/10/27</a:t>
+              <a:t>2022/10/28</a:t>
             </a:fld>
             <a:endParaRPr kumimoji="1" lang="ja-JP" altLang="en-US"/>
           </a:p>
@@ -3703,31 +3703,6 @@
       </p:grpSpPr>
       <p:sp>
         <p:nvSpPr>
-          <p:cNvPr id="2" name="タイトル 1">
-            <a:extLst>
-              <a:ext uri="{FF2B5EF4-FFF2-40B4-BE49-F238E27FC236}">
-                <a16:creationId xmlns:a16="http://schemas.microsoft.com/office/drawing/2014/main" id="{70EDD321-97D7-C3C7-9998-C0042E19E234}"/>
-              </a:ext>
-            </a:extLst>
-          </p:cNvPr>
-          <p:cNvSpPr>
-            <a:spLocks noGrp="1"/>
-          </p:cNvSpPr>
-          <p:nvPr>
-            <p:ph type="title"/>
-          </p:nvPr>
-        </p:nvSpPr>
-        <p:spPr/>
-        <p:txBody>
-          <a:bodyPr/>
-          <a:lstStyle/>
-          <a:p>
-            <a:endParaRPr kumimoji="1" lang="ja-JP" altLang="en-US"/>
-          </a:p>
-        </p:txBody>
-      </p:sp>
-      <p:sp>
-        <p:nvSpPr>
           <p:cNvPr id="3" name="コンテンツ プレースホルダー 2">
             <a:extLst>
               <a:ext uri="{FF2B5EF4-FFF2-40B4-BE49-F238E27FC236}">
@@ -3742,12 +3717,311 @@
             <p:ph idx="1"/>
           </p:nvPr>
         </p:nvSpPr>
-        <p:spPr/>
-        <p:txBody>
-          <a:bodyPr/>
-          <a:lstStyle/>
-          <a:p>
-            <a:endParaRPr kumimoji="1" lang="ja-JP" altLang="en-US"/>
+        <p:spPr>
+          <a:xfrm>
+            <a:off x="0" y="0"/>
+            <a:ext cx="12192000" cy="6858000"/>
+          </a:xfrm>
+        </p:spPr>
+        <p:txBody>
+          <a:bodyPr vert="wordArtVertRtl" anchor="ctr">
+            <a:normAutofit/>
+          </a:bodyPr>
+          <a:lstStyle/>
+          <a:p>
+            <a:pPr marL="514350" indent="-514350">
+              <a:buFont typeface="+mj-ea"/>
+              <a:buAutoNum type="circleNumDbPlain"/>
+            </a:pPr>
+            <a:r>
+              <a:rPr kumimoji="1" lang="ja-JP" altLang="en-US" sz="3600" dirty="0">
+                <a:latin typeface="ＭＳ 明朝" panose="02020609040205080304" pitchFamily="17" charset="-128"/>
+                <a:ea typeface="ＭＳ 明朝" panose="02020609040205080304" pitchFamily="17" charset="-128"/>
+              </a:rPr>
+              <a:t>箱の中で</a:t>
+            </a:r>
+            <a:br>
+              <a:rPr kumimoji="1" lang="en-US" altLang="ja-JP" sz="3600" dirty="0">
+                <a:latin typeface="ＭＳ 明朝" panose="02020609040205080304" pitchFamily="17" charset="-128"/>
+                <a:ea typeface="ＭＳ 明朝" panose="02020609040205080304" pitchFamily="17" charset="-128"/>
+              </a:rPr>
+            </a:br>
+            <a:r>
+              <a:rPr kumimoji="1" lang="ja-JP" altLang="en-US" sz="3600" dirty="0">
+                <a:latin typeface="ＭＳ 明朝" panose="02020609040205080304" pitchFamily="17" charset="-128"/>
+                <a:ea typeface="ＭＳ 明朝" panose="02020609040205080304" pitchFamily="17" charset="-128"/>
+              </a:rPr>
+              <a:t>手をかざしてください。</a:t>
+            </a:r>
+            <a:br>
+              <a:rPr kumimoji="1" lang="en-US" altLang="ja-JP" sz="3600" dirty="0">
+                <a:latin typeface="ＭＳ 明朝" panose="02020609040205080304" pitchFamily="17" charset="-128"/>
+                <a:ea typeface="ＭＳ 明朝" panose="02020609040205080304" pitchFamily="17" charset="-128"/>
+              </a:rPr>
+            </a:br>
+            <a:endParaRPr kumimoji="1" lang="en-US" altLang="ja-JP" sz="3600" dirty="0">
+              <a:latin typeface="ＭＳ 明朝" panose="02020609040205080304" pitchFamily="17" charset="-128"/>
+              <a:ea typeface="ＭＳ 明朝" panose="02020609040205080304" pitchFamily="17" charset="-128"/>
+            </a:endParaRPr>
+          </a:p>
+          <a:p>
+            <a:pPr marL="514350" indent="-514350">
+              <a:buFont typeface="+mj-ea"/>
+              <a:buAutoNum type="circleNumDbPlain"/>
+            </a:pPr>
+            <a:r>
+              <a:rPr lang="ja-JP" altLang="en-US" sz="3600" dirty="0">
+                <a:latin typeface="ＭＳ 明朝" panose="02020609040205080304" pitchFamily="17" charset="-128"/>
+                <a:ea typeface="ＭＳ 明朝" panose="02020609040205080304" pitchFamily="17" charset="-128"/>
+              </a:rPr>
+              <a:t>最初にラの音が鳴ります。</a:t>
+            </a:r>
+            <a:br>
+              <a:rPr lang="en-US" altLang="ja-JP" sz="3600" dirty="0">
+                <a:latin typeface="ＭＳ 明朝" panose="02020609040205080304" pitchFamily="17" charset="-128"/>
+                <a:ea typeface="ＭＳ 明朝" panose="02020609040205080304" pitchFamily="17" charset="-128"/>
+              </a:rPr>
+            </a:br>
+            <a:r>
+              <a:rPr lang="ja-JP" altLang="en-US" sz="3600" dirty="0">
+                <a:latin typeface="ＭＳ 明朝" panose="02020609040205080304" pitchFamily="17" charset="-128"/>
+                <a:ea typeface="ＭＳ 明朝" panose="02020609040205080304" pitchFamily="17" charset="-128"/>
+              </a:rPr>
+              <a:t>手を上下させて</a:t>
+            </a:r>
+            <a:br>
+              <a:rPr lang="en-US" altLang="ja-JP" sz="3600" dirty="0">
+                <a:latin typeface="ＭＳ 明朝" panose="02020609040205080304" pitchFamily="17" charset="-128"/>
+                <a:ea typeface="ＭＳ 明朝" panose="02020609040205080304" pitchFamily="17" charset="-128"/>
+              </a:rPr>
+            </a:br>
+            <a:r>
+              <a:rPr lang="ja-JP" altLang="en-US" sz="3600" dirty="0">
+                <a:latin typeface="ＭＳ 明朝" panose="02020609040205080304" pitchFamily="17" charset="-128"/>
+                <a:ea typeface="ＭＳ 明朝" panose="02020609040205080304" pitchFamily="17" charset="-128"/>
+              </a:rPr>
+              <a:t>手元のスピーカーの音を</a:t>
+            </a:r>
+            <a:br>
+              <a:rPr lang="en-US" altLang="ja-JP" sz="3600" dirty="0">
+                <a:latin typeface="ＭＳ 明朝" panose="02020609040205080304" pitchFamily="17" charset="-128"/>
+                <a:ea typeface="ＭＳ 明朝" panose="02020609040205080304" pitchFamily="17" charset="-128"/>
+              </a:rPr>
+            </a:br>
+            <a:r>
+              <a:rPr lang="ja-JP" altLang="en-US" sz="3600" dirty="0">
+                <a:latin typeface="ＭＳ 明朝" panose="02020609040205080304" pitchFamily="17" charset="-128"/>
+                <a:ea typeface="ＭＳ 明朝" panose="02020609040205080304" pitchFamily="17" charset="-128"/>
+              </a:rPr>
+              <a:t>ラの音に</a:t>
+            </a:r>
+            <a:br>
+              <a:rPr lang="en-US" altLang="ja-JP" sz="3600" dirty="0">
+                <a:latin typeface="ＭＳ 明朝" panose="02020609040205080304" pitchFamily="17" charset="-128"/>
+                <a:ea typeface="ＭＳ 明朝" panose="02020609040205080304" pitchFamily="17" charset="-128"/>
+              </a:rPr>
+            </a:br>
+            <a:r>
+              <a:rPr lang="ja-JP" altLang="en-US" sz="3600" dirty="0">
+                <a:latin typeface="ＭＳ 明朝" panose="02020609040205080304" pitchFamily="17" charset="-128"/>
+                <a:ea typeface="ＭＳ 明朝" panose="02020609040205080304" pitchFamily="17" charset="-128"/>
+              </a:rPr>
+              <a:t>合わせてください。</a:t>
+            </a:r>
+            <a:br>
+              <a:rPr lang="en-US" altLang="ja-JP" sz="3600" dirty="0">
+                <a:latin typeface="ＭＳ 明朝" panose="02020609040205080304" pitchFamily="17" charset="-128"/>
+                <a:ea typeface="ＭＳ 明朝" panose="02020609040205080304" pitchFamily="17" charset="-128"/>
+              </a:rPr>
+            </a:br>
+            <a:r>
+              <a:rPr lang="ja-JP" altLang="en-US" sz="3600" dirty="0">
+                <a:latin typeface="ＭＳ 明朝" panose="02020609040205080304" pitchFamily="17" charset="-128"/>
+                <a:ea typeface="ＭＳ 明朝" panose="02020609040205080304" pitchFamily="17" charset="-128"/>
+              </a:rPr>
+              <a:t>正面の</a:t>
+            </a:r>
+            <a:r>
+              <a:rPr lang="en-US" altLang="ja-JP" sz="3600" dirty="0">
+                <a:latin typeface="ＭＳ 明朝" panose="02020609040205080304" pitchFamily="17" charset="-128"/>
+                <a:ea typeface="ＭＳ 明朝" panose="02020609040205080304" pitchFamily="17" charset="-128"/>
+              </a:rPr>
+              <a:t>LED</a:t>
+            </a:r>
+            <a:r>
+              <a:rPr lang="ja-JP" altLang="en-US" sz="3600" dirty="0">
+                <a:latin typeface="ＭＳ 明朝" panose="02020609040205080304" pitchFamily="17" charset="-128"/>
+                <a:ea typeface="ＭＳ 明朝" panose="02020609040205080304" pitchFamily="17" charset="-128"/>
+              </a:rPr>
+              <a:t>も</a:t>
+            </a:r>
+            <a:br>
+              <a:rPr lang="en-US" altLang="ja-JP" sz="3600" dirty="0">
+                <a:latin typeface="ＭＳ 明朝" panose="02020609040205080304" pitchFamily="17" charset="-128"/>
+                <a:ea typeface="ＭＳ 明朝" panose="02020609040205080304" pitchFamily="17" charset="-128"/>
+              </a:rPr>
+            </a:br>
+            <a:r>
+              <a:rPr lang="ja-JP" altLang="en-US" sz="3600" dirty="0">
+                <a:latin typeface="ＭＳ 明朝" panose="02020609040205080304" pitchFamily="17" charset="-128"/>
+                <a:ea typeface="ＭＳ 明朝" panose="02020609040205080304" pitchFamily="17" charset="-128"/>
+              </a:rPr>
+              <a:t>参考にしてください。</a:t>
+            </a:r>
+            <a:br>
+              <a:rPr lang="en-US" altLang="ja-JP" sz="3600" dirty="0">
+                <a:latin typeface="ＭＳ 明朝" panose="02020609040205080304" pitchFamily="17" charset="-128"/>
+                <a:ea typeface="ＭＳ 明朝" panose="02020609040205080304" pitchFamily="17" charset="-128"/>
+              </a:rPr>
+            </a:br>
+            <a:endParaRPr lang="en-US" altLang="ja-JP" sz="3600" dirty="0">
+              <a:latin typeface="ＭＳ 明朝" panose="02020609040205080304" pitchFamily="17" charset="-128"/>
+              <a:ea typeface="ＭＳ 明朝" panose="02020609040205080304" pitchFamily="17" charset="-128"/>
+            </a:endParaRPr>
+          </a:p>
+          <a:p>
+            <a:pPr marL="514350" indent="-514350">
+              <a:buFont typeface="+mj-ea"/>
+              <a:buAutoNum type="circleNumDbPlain"/>
+            </a:pPr>
+            <a:r>
+              <a:rPr kumimoji="1" lang="ja-JP" altLang="en-US" sz="3600" dirty="0">
+                <a:latin typeface="ＭＳ 明朝" panose="02020609040205080304" pitchFamily="17" charset="-128"/>
+                <a:ea typeface="ＭＳ 明朝" panose="02020609040205080304" pitchFamily="17" charset="-128"/>
+              </a:rPr>
+              <a:t>本番が始まります。</a:t>
+            </a:r>
+            <a:br>
+              <a:rPr kumimoji="1" lang="en-US" altLang="ja-JP" sz="3600" dirty="0">
+                <a:latin typeface="ＭＳ 明朝" panose="02020609040205080304" pitchFamily="17" charset="-128"/>
+                <a:ea typeface="ＭＳ 明朝" panose="02020609040205080304" pitchFamily="17" charset="-128"/>
+              </a:rPr>
+            </a:br>
+            <a:r>
+              <a:rPr kumimoji="1" lang="ja-JP" altLang="en-US" sz="3600" dirty="0">
+                <a:latin typeface="ＭＳ 明朝" panose="02020609040205080304" pitchFamily="17" charset="-128"/>
+                <a:ea typeface="ＭＳ 明朝" panose="02020609040205080304" pitchFamily="17" charset="-128"/>
+              </a:rPr>
+              <a:t>先ほどと同様に</a:t>
+            </a:r>
+            <a:br>
+              <a:rPr kumimoji="1" lang="en-US" altLang="ja-JP" sz="3600" dirty="0">
+                <a:latin typeface="ＭＳ 明朝" panose="02020609040205080304" pitchFamily="17" charset="-128"/>
+                <a:ea typeface="ＭＳ 明朝" panose="02020609040205080304" pitchFamily="17" charset="-128"/>
+              </a:rPr>
+            </a:br>
+            <a:r>
+              <a:rPr kumimoji="1" lang="ja-JP" altLang="en-US" sz="3600" dirty="0">
+                <a:latin typeface="ＭＳ 明朝" panose="02020609040205080304" pitchFamily="17" charset="-128"/>
+                <a:ea typeface="ＭＳ 明朝" panose="02020609040205080304" pitchFamily="17" charset="-128"/>
+              </a:rPr>
+              <a:t>手を上下させて</a:t>
+            </a:r>
+            <a:br>
+              <a:rPr kumimoji="1" lang="en-US" altLang="ja-JP" sz="3600" dirty="0">
+                <a:latin typeface="ＭＳ 明朝" panose="02020609040205080304" pitchFamily="17" charset="-128"/>
+                <a:ea typeface="ＭＳ 明朝" panose="02020609040205080304" pitchFamily="17" charset="-128"/>
+              </a:rPr>
+            </a:br>
+            <a:r>
+              <a:rPr kumimoji="1" lang="ja-JP" altLang="en-US" sz="3600" dirty="0">
+                <a:latin typeface="ＭＳ 明朝" panose="02020609040205080304" pitchFamily="17" charset="-128"/>
+                <a:ea typeface="ＭＳ 明朝" panose="02020609040205080304" pitchFamily="17" charset="-128"/>
+              </a:rPr>
+              <a:t>現在鳴っている音に</a:t>
+            </a:r>
+            <a:br>
+              <a:rPr kumimoji="1" lang="en-US" altLang="ja-JP" sz="3600" dirty="0">
+                <a:latin typeface="ＭＳ 明朝" panose="02020609040205080304" pitchFamily="17" charset="-128"/>
+                <a:ea typeface="ＭＳ 明朝" panose="02020609040205080304" pitchFamily="17" charset="-128"/>
+              </a:rPr>
+            </a:br>
+            <a:r>
+              <a:rPr kumimoji="1" lang="ja-JP" altLang="en-US" sz="3600" dirty="0">
+                <a:latin typeface="ＭＳ 明朝" panose="02020609040205080304" pitchFamily="17" charset="-128"/>
+                <a:ea typeface="ＭＳ 明朝" panose="02020609040205080304" pitchFamily="17" charset="-128"/>
+              </a:rPr>
+              <a:t>合わせてください。</a:t>
+            </a:r>
+            <a:br>
+              <a:rPr kumimoji="1" lang="en-US" altLang="ja-JP" sz="3600" dirty="0">
+                <a:latin typeface="ＭＳ 明朝" panose="02020609040205080304" pitchFamily="17" charset="-128"/>
+                <a:ea typeface="ＭＳ 明朝" panose="02020609040205080304" pitchFamily="17" charset="-128"/>
+              </a:rPr>
+            </a:br>
+            <a:endParaRPr kumimoji="1" lang="en-US" altLang="ja-JP" sz="3600" dirty="0">
+              <a:latin typeface="ＭＳ 明朝" panose="02020609040205080304" pitchFamily="17" charset="-128"/>
+              <a:ea typeface="ＭＳ 明朝" panose="02020609040205080304" pitchFamily="17" charset="-128"/>
+            </a:endParaRPr>
+          </a:p>
+          <a:p>
+            <a:pPr marL="514350" indent="-514350">
+              <a:buFont typeface="+mj-ea"/>
+              <a:buAutoNum type="circleNumDbPlain"/>
+            </a:pPr>
+            <a:r>
+              <a:rPr lang="ja-JP" altLang="en-US" sz="3600" dirty="0">
+                <a:latin typeface="ＭＳ 明朝" panose="02020609040205080304" pitchFamily="17" charset="-128"/>
+                <a:ea typeface="ＭＳ 明朝" panose="02020609040205080304" pitchFamily="17" charset="-128"/>
+              </a:rPr>
+              <a:t>今合わせた音は</a:t>
+            </a:r>
+            <a:br>
+              <a:rPr lang="en-US" altLang="ja-JP" sz="3600" dirty="0">
+                <a:latin typeface="ＭＳ 明朝" panose="02020609040205080304" pitchFamily="17" charset="-128"/>
+                <a:ea typeface="ＭＳ 明朝" panose="02020609040205080304" pitchFamily="17" charset="-128"/>
+              </a:rPr>
+            </a:br>
+            <a:r>
+              <a:rPr lang="ja-JP" altLang="en-US" sz="3600" dirty="0">
+                <a:latin typeface="ＭＳ 明朝" panose="02020609040205080304" pitchFamily="17" charset="-128"/>
+                <a:ea typeface="ＭＳ 明朝" panose="02020609040205080304" pitchFamily="17" charset="-128"/>
+              </a:rPr>
+              <a:t>一つ前の人が</a:t>
+            </a:r>
+            <a:br>
+              <a:rPr lang="en-US" altLang="ja-JP" sz="3600" dirty="0">
+                <a:latin typeface="ＭＳ 明朝" panose="02020609040205080304" pitchFamily="17" charset="-128"/>
+                <a:ea typeface="ＭＳ 明朝" panose="02020609040205080304" pitchFamily="17" charset="-128"/>
+              </a:rPr>
+            </a:br>
+            <a:r>
+              <a:rPr lang="ja-JP" altLang="en-US" sz="3600" dirty="0">
+                <a:latin typeface="ＭＳ 明朝" panose="02020609040205080304" pitchFamily="17" charset="-128"/>
+                <a:ea typeface="ＭＳ 明朝" panose="02020609040205080304" pitchFamily="17" charset="-128"/>
+              </a:rPr>
+              <a:t>音を合わせるまでに</a:t>
+            </a:r>
+            <a:br>
+              <a:rPr lang="en-US" altLang="ja-JP" sz="3600" dirty="0">
+                <a:latin typeface="ＭＳ 明朝" panose="02020609040205080304" pitchFamily="17" charset="-128"/>
+                <a:ea typeface="ＭＳ 明朝" panose="02020609040205080304" pitchFamily="17" charset="-128"/>
+              </a:rPr>
+            </a:br>
+            <a:r>
+              <a:rPr lang="ja-JP" altLang="en-US" sz="3600" dirty="0">
+                <a:latin typeface="ＭＳ 明朝" panose="02020609040205080304" pitchFamily="17" charset="-128"/>
+                <a:ea typeface="ＭＳ 明朝" panose="02020609040205080304" pitchFamily="17" charset="-128"/>
+              </a:rPr>
+              <a:t>かかった時間から</a:t>
+            </a:r>
+            <a:br>
+              <a:rPr lang="en-US" altLang="ja-JP" sz="3600" dirty="0">
+                <a:latin typeface="ＭＳ 明朝" panose="02020609040205080304" pitchFamily="17" charset="-128"/>
+                <a:ea typeface="ＭＳ 明朝" panose="02020609040205080304" pitchFamily="17" charset="-128"/>
+              </a:rPr>
+            </a:br>
+            <a:r>
+              <a:rPr lang="ja-JP" altLang="en-US" sz="3600" dirty="0">
+                <a:latin typeface="ＭＳ 明朝" panose="02020609040205080304" pitchFamily="17" charset="-128"/>
+                <a:ea typeface="ＭＳ 明朝" panose="02020609040205080304" pitchFamily="17" charset="-128"/>
+              </a:rPr>
+              <a:t>生成されています。</a:t>
+            </a:r>
+            <a:endParaRPr kumimoji="1" lang="ja-JP" altLang="en-US" sz="3600" dirty="0">
+              <a:latin typeface="ＭＳ 明朝" panose="02020609040205080304" pitchFamily="17" charset="-128"/>
+              <a:ea typeface="ＭＳ 明朝" panose="02020609040205080304" pitchFamily="17" charset="-128"/>
+            </a:endParaRPr>
           </a:p>
         </p:txBody>
       </p:sp>
